--- a/presentation.pptx
+++ b/presentation.pptx
@@ -5,7 +5,7 @@
     <p:sldMasterId id="2147483648" r:id="rId1"/>
   </p:sldMasterIdLst>
   <p:notesMasterIdLst>
-    <p:notesMasterId r:id="rId80"/>
+    <p:notesMasterId r:id="rId84"/>
   </p:notesMasterIdLst>
   <p:sldIdLst>
     <p:sldId id="256" r:id="rId2"/>
@@ -77,15 +77,19 @@
     <p:sldId id="337" r:id="rId68"/>
     <p:sldId id="338" r:id="rId69"/>
     <p:sldId id="342" r:id="rId70"/>
-    <p:sldId id="257" r:id="rId71"/>
-    <p:sldId id="260" r:id="rId72"/>
-    <p:sldId id="258" r:id="rId73"/>
-    <p:sldId id="259" r:id="rId74"/>
-    <p:sldId id="339" r:id="rId75"/>
-    <p:sldId id="340" r:id="rId76"/>
-    <p:sldId id="341" r:id="rId77"/>
-    <p:sldId id="269" r:id="rId78"/>
-    <p:sldId id="270" r:id="rId79"/>
+    <p:sldId id="344" r:id="rId71"/>
+    <p:sldId id="257" r:id="rId72"/>
+    <p:sldId id="260" r:id="rId73"/>
+    <p:sldId id="258" r:id="rId74"/>
+    <p:sldId id="259" r:id="rId75"/>
+    <p:sldId id="339" r:id="rId76"/>
+    <p:sldId id="340" r:id="rId77"/>
+    <p:sldId id="341" r:id="rId78"/>
+    <p:sldId id="269" r:id="rId79"/>
+    <p:sldId id="270" r:id="rId80"/>
+    <p:sldId id="345" r:id="rId81"/>
+    <p:sldId id="346" r:id="rId82"/>
+    <p:sldId id="343" r:id="rId83"/>
   </p:sldIdLst>
   <p:sldSz cx="12192000" cy="6858000"/>
   <p:notesSz cx="6858000" cy="9144000"/>
@@ -274,7 +278,7 @@
           <a:p>
             <a:fld id="{A6F377DD-95B2-4DA2-9956-21812A7BACCB}" type="datetimeFigureOut">
               <a:rPr lang="en-US"/>
-              <a:t>3/6/16</a:t>
+              <a:t>3/7/16</a:t>
             </a:fld>
             <a:endParaRPr lang="en-US"/>
           </a:p>
@@ -6243,7 +6247,7 @@
     </p:spTree>
     <p:extLst>
       <p:ext uri="{BB962C8B-B14F-4D97-AF65-F5344CB8AC3E}">
-        <p14:creationId xmlns:p14="http://schemas.microsoft.com/office/powerpoint/2010/main" val="3969339402"/>
+        <p14:creationId xmlns:p14="http://schemas.microsoft.com/office/powerpoint/2010/main" val="3217035056"/>
       </p:ext>
     </p:extLst>
   </p:cSld>
@@ -6327,7 +6331,7 @@
     </p:spTree>
     <p:extLst>
       <p:ext uri="{BB962C8B-B14F-4D97-AF65-F5344CB8AC3E}">
-        <p14:creationId xmlns:p14="http://schemas.microsoft.com/office/powerpoint/2010/main" val="404722489"/>
+        <p14:creationId xmlns:p14="http://schemas.microsoft.com/office/powerpoint/2010/main" val="3969339402"/>
       </p:ext>
     </p:extLst>
   </p:cSld>
@@ -6411,7 +6415,7 @@
     </p:spTree>
     <p:extLst>
       <p:ext uri="{BB962C8B-B14F-4D97-AF65-F5344CB8AC3E}">
-        <p14:creationId xmlns:p14="http://schemas.microsoft.com/office/powerpoint/2010/main" val="732931249"/>
+        <p14:creationId xmlns:p14="http://schemas.microsoft.com/office/powerpoint/2010/main" val="404722489"/>
       </p:ext>
     </p:extLst>
   </p:cSld>
@@ -6495,7 +6499,7 @@
     </p:spTree>
     <p:extLst>
       <p:ext uri="{BB962C8B-B14F-4D97-AF65-F5344CB8AC3E}">
-        <p14:creationId xmlns:p14="http://schemas.microsoft.com/office/powerpoint/2010/main" val="2264941298"/>
+        <p14:creationId xmlns:p14="http://schemas.microsoft.com/office/powerpoint/2010/main" val="732931249"/>
       </p:ext>
     </p:extLst>
   </p:cSld>
@@ -6579,7 +6583,7 @@
     </p:spTree>
     <p:extLst>
       <p:ext uri="{BB962C8B-B14F-4D97-AF65-F5344CB8AC3E}">
-        <p14:creationId xmlns:p14="http://schemas.microsoft.com/office/powerpoint/2010/main" val="1213553270"/>
+        <p14:creationId xmlns:p14="http://schemas.microsoft.com/office/powerpoint/2010/main" val="2264941298"/>
       </p:ext>
     </p:extLst>
   </p:cSld>
@@ -6663,7 +6667,7 @@
     </p:spTree>
     <p:extLst>
       <p:ext uri="{BB962C8B-B14F-4D97-AF65-F5344CB8AC3E}">
-        <p14:creationId xmlns:p14="http://schemas.microsoft.com/office/powerpoint/2010/main" val="4187619742"/>
+        <p14:creationId xmlns:p14="http://schemas.microsoft.com/office/powerpoint/2010/main" val="1213553270"/>
       </p:ext>
     </p:extLst>
   </p:cSld>
@@ -6747,7 +6751,7 @@
     </p:spTree>
     <p:extLst>
       <p:ext uri="{BB962C8B-B14F-4D97-AF65-F5344CB8AC3E}">
-        <p14:creationId xmlns:p14="http://schemas.microsoft.com/office/powerpoint/2010/main" val="855763260"/>
+        <p14:creationId xmlns:p14="http://schemas.microsoft.com/office/powerpoint/2010/main" val="4187619742"/>
       </p:ext>
     </p:extLst>
   </p:cSld>
@@ -6831,7 +6835,7 @@
     </p:spTree>
     <p:extLst>
       <p:ext uri="{BB962C8B-B14F-4D97-AF65-F5344CB8AC3E}">
-        <p14:creationId xmlns:p14="http://schemas.microsoft.com/office/powerpoint/2010/main" val="1163155793"/>
+        <p14:creationId xmlns:p14="http://schemas.microsoft.com/office/powerpoint/2010/main" val="855763260"/>
       </p:ext>
     </p:extLst>
   </p:cSld>
@@ -6907,6 +6911,90 @@
             <a:fld id="{FB68C7CE-54F3-4ED0-A9B8-3C41BF4CCECF}" type="slidenum">
               <a:rPr lang="en-US"/>
               <a:t>78</a:t>
+            </a:fld>
+            <a:endParaRPr lang="en-US"/>
+          </a:p>
+        </p:txBody>
+      </p:sp>
+    </p:spTree>
+    <p:extLst>
+      <p:ext uri="{BB962C8B-B14F-4D97-AF65-F5344CB8AC3E}">
+        <p14:creationId xmlns:p14="http://schemas.microsoft.com/office/powerpoint/2010/main" val="1163155793"/>
+      </p:ext>
+    </p:extLst>
+  </p:cSld>
+  <p:clrMapOvr>
+    <a:masterClrMapping/>
+  </p:clrMapOvr>
+</p:notes>
+</file>
+
+<file path=ppt/notesSlides/notesSlide79.xml><?xml version="1.0" encoding="utf-8"?>
+<p:notes xmlns:a="http://schemas.openxmlformats.org/drawingml/2006/main" xmlns:r="http://schemas.openxmlformats.org/officeDocument/2006/relationships" xmlns:p="http://schemas.openxmlformats.org/presentationml/2006/main">
+  <p:cSld>
+    <p:spTree>
+      <p:nvGrpSpPr>
+        <p:cNvPr id="1" name=""/>
+        <p:cNvGrpSpPr/>
+        <p:nvPr/>
+      </p:nvGrpSpPr>
+      <p:grpSpPr>
+        <a:xfrm>
+          <a:off x="0" y="0"/>
+          <a:ext cx="0" cy="0"/>
+          <a:chOff x="0" y="0"/>
+          <a:chExt cx="0" cy="0"/>
+        </a:xfrm>
+      </p:grpSpPr>
+      <p:sp>
+        <p:nvSpPr>
+          <p:cNvPr id="2" name="Slide Image Placeholder 1"/>
+          <p:cNvSpPr>
+            <a:spLocks noGrp="1" noRot="1" noChangeAspect="1"/>
+          </p:cNvSpPr>
+          <p:nvPr>
+            <p:ph type="sldImg"/>
+          </p:nvPr>
+        </p:nvSpPr>
+        <p:spPr/>
+      </p:sp>
+      <p:sp>
+        <p:nvSpPr>
+          <p:cNvPr id="3" name="Notes Placeholder 2"/>
+          <p:cNvSpPr>
+            <a:spLocks noGrp="1"/>
+          </p:cNvSpPr>
+          <p:nvPr>
+            <p:ph type="body" idx="1"/>
+          </p:nvPr>
+        </p:nvSpPr>
+        <p:spPr/>
+        <p:txBody>
+          <a:bodyPr/>
+          <a:lstStyle/>
+          <a:p>
+            <a:endParaRPr lang="en-US"/>
+          </a:p>
+        </p:txBody>
+      </p:sp>
+      <p:sp>
+        <p:nvSpPr>
+          <p:cNvPr id="4" name="Slide Number Placeholder 3"/>
+          <p:cNvSpPr>
+            <a:spLocks noGrp="1"/>
+          </p:cNvSpPr>
+          <p:nvPr>
+            <p:ph type="sldNum" sz="quarter" idx="10"/>
+          </p:nvPr>
+        </p:nvSpPr>
+        <p:spPr/>
+        <p:txBody>
+          <a:bodyPr/>
+          <a:lstStyle/>
+          <a:p>
+            <a:fld id="{FB68C7CE-54F3-4ED0-A9B8-3C41BF4CCECF}" type="slidenum">
+              <a:rPr lang="en-US"/>
+              <a:t>79</a:t>
             </a:fld>
             <a:endParaRPr lang="en-US"/>
           </a:p>
@@ -7009,6 +7097,258 @@
 </p:notes>
 </file>
 
+<file path=ppt/notesSlides/notesSlide80.xml><?xml version="1.0" encoding="utf-8"?>
+<p:notes xmlns:a="http://schemas.openxmlformats.org/drawingml/2006/main" xmlns:r="http://schemas.openxmlformats.org/officeDocument/2006/relationships" xmlns:p="http://schemas.openxmlformats.org/presentationml/2006/main">
+  <p:cSld>
+    <p:spTree>
+      <p:nvGrpSpPr>
+        <p:cNvPr id="1" name=""/>
+        <p:cNvGrpSpPr/>
+        <p:nvPr/>
+      </p:nvGrpSpPr>
+      <p:grpSpPr>
+        <a:xfrm>
+          <a:off x="0" y="0"/>
+          <a:ext cx="0" cy="0"/>
+          <a:chOff x="0" y="0"/>
+          <a:chExt cx="0" cy="0"/>
+        </a:xfrm>
+      </p:grpSpPr>
+      <p:sp>
+        <p:nvSpPr>
+          <p:cNvPr id="2" name="Slide Image Placeholder 1"/>
+          <p:cNvSpPr>
+            <a:spLocks noGrp="1" noRot="1" noChangeAspect="1"/>
+          </p:cNvSpPr>
+          <p:nvPr>
+            <p:ph type="sldImg"/>
+          </p:nvPr>
+        </p:nvSpPr>
+        <p:spPr/>
+      </p:sp>
+      <p:sp>
+        <p:nvSpPr>
+          <p:cNvPr id="3" name="Notes Placeholder 2"/>
+          <p:cNvSpPr>
+            <a:spLocks noGrp="1"/>
+          </p:cNvSpPr>
+          <p:nvPr>
+            <p:ph type="body" idx="1"/>
+          </p:nvPr>
+        </p:nvSpPr>
+        <p:spPr/>
+        <p:txBody>
+          <a:bodyPr/>
+          <a:lstStyle/>
+          <a:p>
+            <a:endParaRPr lang="en-US"/>
+          </a:p>
+        </p:txBody>
+      </p:sp>
+      <p:sp>
+        <p:nvSpPr>
+          <p:cNvPr id="4" name="Slide Number Placeholder 3"/>
+          <p:cNvSpPr>
+            <a:spLocks noGrp="1"/>
+          </p:cNvSpPr>
+          <p:nvPr>
+            <p:ph type="sldNum" sz="quarter" idx="10"/>
+          </p:nvPr>
+        </p:nvSpPr>
+        <p:spPr/>
+        <p:txBody>
+          <a:bodyPr/>
+          <a:lstStyle/>
+          <a:p>
+            <a:fld id="{FB68C7CE-54F3-4ED0-A9B8-3C41BF4CCECF}" type="slidenum">
+              <a:rPr lang="en-US"/>
+              <a:t>80</a:t>
+            </a:fld>
+            <a:endParaRPr lang="en-US"/>
+          </a:p>
+        </p:txBody>
+      </p:sp>
+    </p:spTree>
+    <p:extLst>
+      <p:ext uri="{BB962C8B-B14F-4D97-AF65-F5344CB8AC3E}">
+        <p14:creationId xmlns:p14="http://schemas.microsoft.com/office/powerpoint/2010/main" val="3794629654"/>
+      </p:ext>
+    </p:extLst>
+  </p:cSld>
+  <p:clrMapOvr>
+    <a:masterClrMapping/>
+  </p:clrMapOvr>
+</p:notes>
+</file>
+
+<file path=ppt/notesSlides/notesSlide81.xml><?xml version="1.0" encoding="utf-8"?>
+<p:notes xmlns:a="http://schemas.openxmlformats.org/drawingml/2006/main" xmlns:r="http://schemas.openxmlformats.org/officeDocument/2006/relationships" xmlns:p="http://schemas.openxmlformats.org/presentationml/2006/main">
+  <p:cSld>
+    <p:spTree>
+      <p:nvGrpSpPr>
+        <p:cNvPr id="1" name=""/>
+        <p:cNvGrpSpPr/>
+        <p:nvPr/>
+      </p:nvGrpSpPr>
+      <p:grpSpPr>
+        <a:xfrm>
+          <a:off x="0" y="0"/>
+          <a:ext cx="0" cy="0"/>
+          <a:chOff x="0" y="0"/>
+          <a:chExt cx="0" cy="0"/>
+        </a:xfrm>
+      </p:grpSpPr>
+      <p:sp>
+        <p:nvSpPr>
+          <p:cNvPr id="2" name="Slide Image Placeholder 1"/>
+          <p:cNvSpPr>
+            <a:spLocks noGrp="1" noRot="1" noChangeAspect="1"/>
+          </p:cNvSpPr>
+          <p:nvPr>
+            <p:ph type="sldImg"/>
+          </p:nvPr>
+        </p:nvSpPr>
+        <p:spPr/>
+      </p:sp>
+      <p:sp>
+        <p:nvSpPr>
+          <p:cNvPr id="3" name="Notes Placeholder 2"/>
+          <p:cNvSpPr>
+            <a:spLocks noGrp="1"/>
+          </p:cNvSpPr>
+          <p:nvPr>
+            <p:ph type="body" idx="1"/>
+          </p:nvPr>
+        </p:nvSpPr>
+        <p:spPr/>
+        <p:txBody>
+          <a:bodyPr/>
+          <a:lstStyle/>
+          <a:p>
+            <a:endParaRPr lang="en-US"/>
+          </a:p>
+        </p:txBody>
+      </p:sp>
+      <p:sp>
+        <p:nvSpPr>
+          <p:cNvPr id="4" name="Slide Number Placeholder 3"/>
+          <p:cNvSpPr>
+            <a:spLocks noGrp="1"/>
+          </p:cNvSpPr>
+          <p:nvPr>
+            <p:ph type="sldNum" sz="quarter" idx="10"/>
+          </p:nvPr>
+        </p:nvSpPr>
+        <p:spPr/>
+        <p:txBody>
+          <a:bodyPr/>
+          <a:lstStyle/>
+          <a:p>
+            <a:fld id="{FB68C7CE-54F3-4ED0-A9B8-3C41BF4CCECF}" type="slidenum">
+              <a:rPr lang="en-US"/>
+              <a:t>81</a:t>
+            </a:fld>
+            <a:endParaRPr lang="en-US"/>
+          </a:p>
+        </p:txBody>
+      </p:sp>
+    </p:spTree>
+    <p:extLst>
+      <p:ext uri="{BB962C8B-B14F-4D97-AF65-F5344CB8AC3E}">
+        <p14:creationId xmlns:p14="http://schemas.microsoft.com/office/powerpoint/2010/main" val="2265770839"/>
+      </p:ext>
+    </p:extLst>
+  </p:cSld>
+  <p:clrMapOvr>
+    <a:masterClrMapping/>
+  </p:clrMapOvr>
+</p:notes>
+</file>
+
+<file path=ppt/notesSlides/notesSlide82.xml><?xml version="1.0" encoding="utf-8"?>
+<p:notes xmlns:a="http://schemas.openxmlformats.org/drawingml/2006/main" xmlns:r="http://schemas.openxmlformats.org/officeDocument/2006/relationships" xmlns:p="http://schemas.openxmlformats.org/presentationml/2006/main">
+  <p:cSld>
+    <p:spTree>
+      <p:nvGrpSpPr>
+        <p:cNvPr id="1" name=""/>
+        <p:cNvGrpSpPr/>
+        <p:nvPr/>
+      </p:nvGrpSpPr>
+      <p:grpSpPr>
+        <a:xfrm>
+          <a:off x="0" y="0"/>
+          <a:ext cx="0" cy="0"/>
+          <a:chOff x="0" y="0"/>
+          <a:chExt cx="0" cy="0"/>
+        </a:xfrm>
+      </p:grpSpPr>
+      <p:sp>
+        <p:nvSpPr>
+          <p:cNvPr id="2" name="Slide Image Placeholder 1"/>
+          <p:cNvSpPr>
+            <a:spLocks noGrp="1" noRot="1" noChangeAspect="1"/>
+          </p:cNvSpPr>
+          <p:nvPr>
+            <p:ph type="sldImg"/>
+          </p:nvPr>
+        </p:nvSpPr>
+        <p:spPr/>
+      </p:sp>
+      <p:sp>
+        <p:nvSpPr>
+          <p:cNvPr id="3" name="Notes Placeholder 2"/>
+          <p:cNvSpPr>
+            <a:spLocks noGrp="1"/>
+          </p:cNvSpPr>
+          <p:nvPr>
+            <p:ph type="body" idx="1"/>
+          </p:nvPr>
+        </p:nvSpPr>
+        <p:spPr/>
+        <p:txBody>
+          <a:bodyPr/>
+          <a:lstStyle/>
+          <a:p>
+            <a:endParaRPr lang="en-US"/>
+          </a:p>
+        </p:txBody>
+      </p:sp>
+      <p:sp>
+        <p:nvSpPr>
+          <p:cNvPr id="4" name="Slide Number Placeholder 3"/>
+          <p:cNvSpPr>
+            <a:spLocks noGrp="1"/>
+          </p:cNvSpPr>
+          <p:nvPr>
+            <p:ph type="sldNum" sz="quarter" idx="10"/>
+          </p:nvPr>
+        </p:nvSpPr>
+        <p:spPr/>
+        <p:txBody>
+          <a:bodyPr/>
+          <a:lstStyle/>
+          <a:p>
+            <a:fld id="{FB68C7CE-54F3-4ED0-A9B8-3C41BF4CCECF}" type="slidenum">
+              <a:rPr lang="en-US"/>
+              <a:t>82</a:t>
+            </a:fld>
+            <a:endParaRPr lang="en-US"/>
+          </a:p>
+        </p:txBody>
+      </p:sp>
+    </p:spTree>
+    <p:extLst>
+      <p:ext uri="{BB962C8B-B14F-4D97-AF65-F5344CB8AC3E}">
+        <p14:creationId xmlns:p14="http://schemas.microsoft.com/office/powerpoint/2010/main" val="415717704"/>
+      </p:ext>
+    </p:extLst>
+  </p:cSld>
+  <p:clrMapOvr>
+    <a:masterClrMapping/>
+  </p:clrMapOvr>
+</p:notes>
+</file>
+
 <file path=ppt/notesSlides/notesSlide9.xml><?xml version="1.0" encoding="utf-8"?>
 <p:notes xmlns:a="http://schemas.openxmlformats.org/drawingml/2006/main" xmlns:r="http://schemas.openxmlformats.org/officeDocument/2006/relationships" xmlns:p="http://schemas.openxmlformats.org/presentationml/2006/main">
   <p:cSld>
@@ -7222,7 +7562,7 @@
           <a:p>
             <a:fld id="{1560A13A-DB3F-4AD5-B6AF-BDA0278A0A39}" type="datetimeFigureOut">
               <a:rPr lang="sv-SE" smtClean="0"/>
-              <a:t>2016-03-06</a:t>
+              <a:t>2016-03-07</a:t>
             </a:fld>
             <a:endParaRPr lang="sv-SE"/>
           </a:p>
@@ -7390,7 +7730,7 @@
           <a:p>
             <a:fld id="{1560A13A-DB3F-4AD5-B6AF-BDA0278A0A39}" type="datetimeFigureOut">
               <a:rPr lang="sv-SE" smtClean="0"/>
-              <a:t>2016-03-06</a:t>
+              <a:t>2016-03-07</a:t>
             </a:fld>
             <a:endParaRPr lang="sv-SE"/>
           </a:p>
@@ -7568,7 +7908,7 @@
           <a:p>
             <a:fld id="{1560A13A-DB3F-4AD5-B6AF-BDA0278A0A39}" type="datetimeFigureOut">
               <a:rPr lang="sv-SE" smtClean="0"/>
-              <a:t>2016-03-06</a:t>
+              <a:t>2016-03-07</a:t>
             </a:fld>
             <a:endParaRPr lang="sv-SE"/>
           </a:p>
@@ -7736,7 +8076,7 @@
           <a:p>
             <a:fld id="{1560A13A-DB3F-4AD5-B6AF-BDA0278A0A39}" type="datetimeFigureOut">
               <a:rPr lang="sv-SE" smtClean="0"/>
-              <a:t>2016-03-06</a:t>
+              <a:t>2016-03-07</a:t>
             </a:fld>
             <a:endParaRPr lang="sv-SE"/>
           </a:p>
@@ -7981,7 +8321,7 @@
           <a:p>
             <a:fld id="{1560A13A-DB3F-4AD5-B6AF-BDA0278A0A39}" type="datetimeFigureOut">
               <a:rPr lang="sv-SE" smtClean="0"/>
-              <a:t>2016-03-06</a:t>
+              <a:t>2016-03-07</a:t>
             </a:fld>
             <a:endParaRPr lang="sv-SE"/>
           </a:p>
@@ -8210,7 +8550,7 @@
           <a:p>
             <a:fld id="{1560A13A-DB3F-4AD5-B6AF-BDA0278A0A39}" type="datetimeFigureOut">
               <a:rPr lang="sv-SE" smtClean="0"/>
-              <a:t>2016-03-06</a:t>
+              <a:t>2016-03-07</a:t>
             </a:fld>
             <a:endParaRPr lang="sv-SE"/>
           </a:p>
@@ -8574,7 +8914,7 @@
           <a:p>
             <a:fld id="{1560A13A-DB3F-4AD5-B6AF-BDA0278A0A39}" type="datetimeFigureOut">
               <a:rPr lang="sv-SE" smtClean="0"/>
-              <a:t>2016-03-06</a:t>
+              <a:t>2016-03-07</a:t>
             </a:fld>
             <a:endParaRPr lang="sv-SE"/>
           </a:p>
@@ -8691,7 +9031,7 @@
           <a:p>
             <a:fld id="{1560A13A-DB3F-4AD5-B6AF-BDA0278A0A39}" type="datetimeFigureOut">
               <a:rPr lang="sv-SE" smtClean="0"/>
-              <a:t>2016-03-06</a:t>
+              <a:t>2016-03-07</a:t>
             </a:fld>
             <a:endParaRPr lang="sv-SE"/>
           </a:p>
@@ -8786,7 +9126,7 @@
           <a:p>
             <a:fld id="{1560A13A-DB3F-4AD5-B6AF-BDA0278A0A39}" type="datetimeFigureOut">
               <a:rPr lang="sv-SE" smtClean="0"/>
-              <a:t>2016-03-06</a:t>
+              <a:t>2016-03-07</a:t>
             </a:fld>
             <a:endParaRPr lang="sv-SE"/>
           </a:p>
@@ -9061,7 +9401,7 @@
           <a:p>
             <a:fld id="{1560A13A-DB3F-4AD5-B6AF-BDA0278A0A39}" type="datetimeFigureOut">
               <a:rPr lang="sv-SE" smtClean="0"/>
-              <a:t>2016-03-06</a:t>
+              <a:t>2016-03-07</a:t>
             </a:fld>
             <a:endParaRPr lang="sv-SE"/>
           </a:p>
@@ -9313,7 +9653,7 @@
           <a:p>
             <a:fld id="{1560A13A-DB3F-4AD5-B6AF-BDA0278A0A39}" type="datetimeFigureOut">
               <a:rPr lang="sv-SE" smtClean="0"/>
-              <a:t>2016-03-06</a:t>
+              <a:t>2016-03-07</a:t>
             </a:fld>
             <a:endParaRPr lang="sv-SE"/>
           </a:p>
@@ -9524,7 +9864,7 @@
           <a:p>
             <a:fld id="{1560A13A-DB3F-4AD5-B6AF-BDA0278A0A39}" type="datetimeFigureOut">
               <a:rPr lang="sv-SE" smtClean="0"/>
-              <a:t>2016-03-06</a:t>
+              <a:t>2016-03-07</a:t>
             </a:fld>
             <a:endParaRPr lang="sv-SE"/>
           </a:p>
@@ -9981,51 +10321,19 @@
             </a:r>
             <a:r>
               <a:rPr lang="sv-SE" dirty="0"/>
-              <a:t> for a </a:t>
+              <a:t> for </a:t>
+            </a:r>
+            <a:r>
+              <a:rPr lang="sv-SE" dirty="0"/>
+              <a:t>an equal </a:t>
             </a:r>
             <a:r>
               <a:rPr lang="sv-SE" dirty="0" err="1"/>
               <a:t>society</a:t>
             </a:r>
             <a:r>
-              <a:rPr lang="sv-SE" dirty="0"/>
-              <a:t> </a:t>
-            </a:r>
-            <a:r>
-              <a:rPr lang="sv-SE" dirty="0" err="1"/>
-              <a:t>where</a:t>
-            </a:r>
-            <a:r>
-              <a:rPr lang="sv-SE" dirty="0"/>
-              <a:t> </a:t>
-            </a:r>
-            <a:r>
-              <a:rPr lang="sv-SE" dirty="0" err="1"/>
-              <a:t>this</a:t>
-            </a:r>
-            <a:r>
-              <a:rPr lang="sv-SE" dirty="0"/>
-              <a:t> </a:t>
-            </a:r>
-            <a:r>
-              <a:rPr lang="sv-SE" dirty="0" err="1"/>
-              <a:t>day</a:t>
-            </a:r>
-            <a:r>
-              <a:rPr lang="sv-SE" dirty="0"/>
-              <a:t> is not </a:t>
-            </a:r>
-            <a:r>
-              <a:rPr lang="sv-SE" dirty="0" err="1"/>
-              <a:t>needed</a:t>
-            </a:r>
-            <a:r>
-              <a:rPr lang="sv-SE" dirty="0"/>
-              <a:t> </a:t>
-            </a:r>
-            <a:r>
-              <a:rPr lang="sv-SE" dirty="0" err="1"/>
-              <a:t>anymore</a:t>
+              <a:rPr lang="sv-SE"/>
+              <a:t>.</a:t>
             </a:r>
             <a:endParaRPr lang="en-US" dirty="0"/>
           </a:p>
@@ -22994,7 +23302,7 @@
                 <a:ea typeface="Menlo" charset="0"/>
                 <a:cs typeface="Menlo" charset="0"/>
               </a:rPr>
-              <a:t>With lazy evaluation, it might be that one of costlyOperation1&amp;2 actually runs. More on this later</a:t>
+              <a:t>With lazy evaluation, only one of costlyOperation1&amp;2 (or neither!) might actually need to run. </a:t>
             </a:r>
           </a:p>
           <a:p>
@@ -23386,7 +23694,7 @@
               <a:buNone/>
             </a:pPr>
             <a:r>
-              <a:rPr lang="en-US" sz="2400"/>
+              <a:rPr lang="en-US" sz="2000"/>
               <a:t>First things first: How to perform loops without a state?</a:t>
             </a:r>
           </a:p>
@@ -23517,7 +23825,7 @@
               <a:buNone/>
             </a:pPr>
             <a:r>
-              <a:rPr lang="en-US" sz="2400"/>
+              <a:rPr lang="en-US" sz="2000"/>
               <a:t>First things first: How to perform loops without a state?</a:t>
             </a:r>
           </a:p>
@@ -23529,7 +23837,7 @@
               <a:buNone/>
             </a:pPr>
             <a:r>
-              <a:rPr lang="en-US" sz="2400"/>
+              <a:rPr lang="en-US" sz="2000"/>
               <a:t>Regular for-loop Java:</a:t>
             </a:r>
           </a:p>
@@ -24170,7 +24478,7 @@
               <a:buNone/>
             </a:pPr>
             <a:r>
-              <a:rPr lang="en-US" sz="2400"/>
+              <a:rPr lang="en-US" sz="2000"/>
               <a:t>First things first: How to perform loops without a state?</a:t>
             </a:r>
           </a:p>
@@ -24182,7 +24490,7 @@
               <a:buNone/>
             </a:pPr>
             <a:r>
-              <a:rPr lang="en-US" sz="2400"/>
+              <a:rPr lang="en-US" sz="2000"/>
               <a:t>Regular for-loop Java:</a:t>
             </a:r>
           </a:p>
@@ -24847,7 +25155,7 @@
               <a:buNone/>
             </a:pPr>
             <a:r>
-              <a:rPr lang="en-US" sz="2400"/>
+              <a:rPr lang="en-US" sz="2000"/>
               <a:t>First things first: How to perform loops without a state?</a:t>
             </a:r>
           </a:p>
@@ -24859,7 +25167,7 @@
               <a:buNone/>
             </a:pPr>
             <a:r>
-              <a:rPr lang="en-US" sz="2400"/>
+              <a:rPr lang="en-US" sz="2000"/>
               <a:t>Regular for-loop Java:</a:t>
             </a:r>
           </a:p>
@@ -25536,7 +25844,7 @@
               <a:buNone/>
             </a:pPr>
             <a:r>
-              <a:rPr lang="en-US" sz="2400"/>
+              <a:rPr lang="en-US" sz="2000"/>
               <a:t>First things first: How to perform loops without a state?</a:t>
             </a:r>
           </a:p>
@@ -25548,7 +25856,7 @@
               <a:buNone/>
             </a:pPr>
             <a:r>
-              <a:rPr lang="en-US" sz="2400"/>
+              <a:rPr lang="en-US" sz="2000"/>
               <a:t>Regular for-loop Java:</a:t>
             </a:r>
           </a:p>
@@ -30535,12 +30843,6 @@
           <a:p>
             <a:r>
               <a:rPr lang="en-US" dirty="0"/>
-              <a:t>But seriously, try to avoid recursive functions</a:t>
-            </a:r>
-          </a:p>
-          <a:p>
-            <a:r>
-              <a:rPr lang="en-US" dirty="0"/>
               <a:t>Instead use higher order functions if possible</a:t>
             </a:r>
           </a:p>
@@ -30732,7 +31034,7 @@
             <a:pPr algn="ctr"/>
             <a:r>
               <a:rPr lang="en-US" dirty="0"/>
-              <a:t>Monads</a:t>
+              <a:t>Fold</a:t>
             </a:r>
           </a:p>
         </p:txBody>
@@ -30750,135 +31052,109 @@
         <p:spPr/>
         <p:txBody>
           <a:bodyPr vert="horz" lIns="91440" tIns="45720" rIns="91440" bIns="45720" rtlCol="0" anchor="t">
-            <a:normAutofit fontScale="92500" lnSpcReduction="20000"/>
+            <a:normAutofit/>
           </a:bodyPr>
           <a:lstStyle/>
           <a:p>
             <a:r>
-              <a:rPr lang="en-US" dirty="0">
+              <a:rPr lang="en-US" dirty="0"/>
+              <a:t>When folding a list (not </a:t>
+            </a:r>
+            <a:r>
+              <a:rPr lang="en-US" dirty="0" err="1"/>
+              <a:t>parallell</a:t>
+            </a:r>
+            <a:r>
+              <a:rPr lang="en-US" dirty="0"/>
+              <a:t>) this can be done from right or left.</a:t>
+            </a:r>
+          </a:p>
+          <a:p>
+            <a:r>
+              <a:rPr lang="en-US" dirty="0"/>
+              <a:t>In Haskell these are called </a:t>
+            </a:r>
+            <a:r>
+              <a:rPr lang="en-US" dirty="0" err="1"/>
+              <a:t>foldr</a:t>
+            </a:r>
+            <a:r>
+              <a:rPr lang="en-US" dirty="0"/>
+              <a:t> and </a:t>
+            </a:r>
+            <a:r>
+              <a:rPr lang="en-US" dirty="0" err="1"/>
+              <a:t>foldl</a:t>
+            </a:r>
+            <a:r>
+              <a:rPr lang="en-US" dirty="0"/>
+              <a:t> respectively.</a:t>
+            </a:r>
+          </a:p>
+          <a:p>
+            <a:r>
+              <a:rPr lang="en-US" dirty="0" err="1"/>
+              <a:t>foldl</a:t>
+            </a:r>
+            <a:r>
+              <a:rPr lang="en-US" dirty="0"/>
+              <a:t> (((1 * 2) * 3) * 4)</a:t>
+            </a:r>
+          </a:p>
+          <a:p>
+            <a:r>
+              <a:rPr lang="en-US" dirty="0" err="1"/>
+              <a:t>foldr</a:t>
+            </a:r>
+            <a:r>
+              <a:rPr lang="en-US" dirty="0"/>
+              <a:t> (1 * ( 2 * ( 3 * ( 4 * 1))))</a:t>
+            </a:r>
+          </a:p>
+          <a:p>
+            <a:r>
+              <a:rPr lang="en-US" dirty="0"/>
+              <a:t>As you can see this can matter!</a:t>
+            </a:r>
+          </a:p>
+          <a:p>
+            <a:r>
+              <a:rPr lang="en-US" dirty="0"/>
+              <a:t>Specially in case of a language like </a:t>
+            </a:r>
+            <a:r>
+              <a:rPr lang="en-US" dirty="0" err="1"/>
+              <a:t>haskell</a:t>
+            </a:r>
+            <a:r>
+              <a:rPr lang="en-US" dirty="0"/>
+              <a:t> that has lazy evaluation. </a:t>
+            </a:r>
+          </a:p>
+          <a:p>
+            <a:r>
+              <a:rPr lang="en-US" dirty="0"/>
+              <a:t>Please read : </a:t>
+            </a:r>
+            <a:r>
+              <a:rPr lang="en-US">
                 <a:latin typeface="Calibri" charset="0"/>
               </a:rPr>
-              <a:t>What is a Monad?</a:t>
-            </a:r>
-          </a:p>
-          <a:p>
-            <a:endParaRPr lang="en-US" dirty="0">
-              <a:latin typeface="Calibri" charset="0"/>
-            </a:endParaRPr>
-          </a:p>
-          <a:p>
-            <a:r>
-              <a:rPr lang="en-US" dirty="0">
-                <a:latin typeface="Calibri" charset="0"/>
-              </a:rPr>
-              <a:t>It is a type constructor with two operations</a:t>
-            </a:r>
-          </a:p>
-          <a:p>
-            <a:pPr lvl="1"/>
-            <a:r>
-              <a:rPr lang="en-US" dirty="0">
-                <a:latin typeface="Calibri" charset="0"/>
-              </a:rPr>
-              <a:t>1. Return a → Ma</a:t>
-            </a:r>
-          </a:p>
-          <a:p>
-            <a:pPr lvl="1"/>
-            <a:r>
-              <a:rPr lang="en-US" dirty="0">
-                <a:latin typeface="Calibri" charset="0"/>
-              </a:rPr>
-              <a:t>2. Bind Ma → (a → Mb) → Mb</a:t>
-            </a:r>
-          </a:p>
-          <a:p>
-            <a:endParaRPr lang="en-US" dirty="0">
-              <a:latin typeface="Calibri" charset="0"/>
-            </a:endParaRPr>
-          </a:p>
-          <a:p>
-            <a:r>
-              <a:rPr lang="en-US" dirty="0">
-                <a:latin typeface="Calibri" charset="0"/>
-              </a:rPr>
-              <a:t>Or the following operations:</a:t>
-            </a:r>
-          </a:p>
-          <a:p>
-            <a:pPr lvl="1"/>
-            <a:r>
-              <a:rPr lang="en-US" dirty="0">
-                <a:latin typeface="Calibri" charset="0"/>
-              </a:rPr>
-              <a:t>1. Return a → Ma</a:t>
-            </a:r>
-          </a:p>
-          <a:p>
-            <a:pPr lvl="1"/>
-            <a:r>
-              <a:rPr lang="en-US" dirty="0">
-                <a:latin typeface="Calibri" charset="0"/>
-              </a:rPr>
-              <a:t>2. </a:t>
-            </a:r>
-            <a:r>
-              <a:rPr lang="en-US" dirty="0" err="1">
-                <a:latin typeface="Calibri" charset="0"/>
-              </a:rPr>
-              <a:t>fmap</a:t>
-            </a:r>
-            <a:r>
-              <a:rPr lang="en-US" dirty="0">
-                <a:latin typeface="Calibri" charset="0"/>
-              </a:rPr>
-              <a:t> (a → b) → Ma → Mb</a:t>
-            </a:r>
-          </a:p>
-          <a:p>
-            <a:pPr lvl="1"/>
-            <a:r>
-              <a:rPr lang="de-DE" dirty="0">
-                <a:latin typeface="Calibri" charset="0"/>
-              </a:rPr>
-              <a:t>3. join M (Ma) → Ma (flattens)</a:t>
-            </a:r>
-            <a:endParaRPr lang="en-US" dirty="0">
-              <a:latin typeface="Calibri" charset="0"/>
-            </a:endParaRPr>
-          </a:p>
-          <a:p>
-            <a:r>
-              <a:rPr lang="en-US" dirty="0"/>
-              <a:t/>
-            </a:r>
-            <a:br>
-              <a:rPr lang="en-US" dirty="0"/>
-            </a:br>
-            <a:endParaRPr lang="en-US" dirty="0"/>
-          </a:p>
-          <a:p>
-            <a:endParaRPr lang="en-US" dirty="0"/>
+              <a:t>https://wiki.haskell.org/Fold</a:t>
+            </a:r>
           </a:p>
         </p:txBody>
       </p:sp>
     </p:spTree>
     <p:extLst>
       <p:ext uri="{BB962C8B-B14F-4D97-AF65-F5344CB8AC3E}">
-        <p14:creationId xmlns:p14="http://schemas.microsoft.com/office/powerpoint/2010/main" val="2872863005"/>
+        <p14:creationId xmlns:p14="http://schemas.microsoft.com/office/powerpoint/2010/main" val="160142311"/>
       </p:ext>
     </p:extLst>
   </p:cSld>
   <p:clrMapOvr>
     <a:masterClrMapping/>
   </p:clrMapOvr>
-  <p:timing>
-    <p:tnLst>
-      <p:par>
-        <p:cTn id="1" dur="indefinite" restart="never" nodeType="tmRoot"/>
-      </p:par>
-    </p:tnLst>
-  </p:timing>
 </p:sld>
 </file>
 
@@ -30935,49 +31211,122 @@
         <p:spPr/>
         <p:txBody>
           <a:bodyPr vert="horz" lIns="91440" tIns="45720" rIns="91440" bIns="45720" rtlCol="0" anchor="t">
-            <a:normAutofit/>
+            <a:normAutofit fontScale="92500" lnSpcReduction="20000"/>
           </a:bodyPr>
           <a:lstStyle/>
           <a:p>
             <a:r>
+              <a:rPr lang="en-US" dirty="0">
+                <a:latin typeface="Calibri" charset="0"/>
+              </a:rPr>
+              <a:t>What is a Monad?</a:t>
+            </a:r>
+          </a:p>
+          <a:p>
+            <a:endParaRPr lang="en-US" dirty="0">
+              <a:latin typeface="Calibri" charset="0"/>
+            </a:endParaRPr>
+          </a:p>
+          <a:p>
+            <a:r>
+              <a:rPr lang="en-US" dirty="0">
+                <a:latin typeface="Calibri" charset="0"/>
+              </a:rPr>
+              <a:t>It is a type constructor with two operations</a:t>
+            </a:r>
+          </a:p>
+          <a:p>
+            <a:pPr lvl="1"/>
+            <a:r>
+              <a:rPr lang="en-US" dirty="0">
+                <a:latin typeface="Calibri" charset="0"/>
+              </a:rPr>
+              <a:t>1. Return a → Ma</a:t>
+            </a:r>
+          </a:p>
+          <a:p>
+            <a:pPr lvl="1"/>
+            <a:r>
+              <a:rPr lang="en-US" dirty="0">
+                <a:latin typeface="Calibri" charset="0"/>
+              </a:rPr>
+              <a:t>2. Bind Ma → (a → Mb) → Mb</a:t>
+            </a:r>
+          </a:p>
+          <a:p>
+            <a:endParaRPr lang="en-US" dirty="0">
+              <a:latin typeface="Calibri" charset="0"/>
+            </a:endParaRPr>
+          </a:p>
+          <a:p>
+            <a:r>
+              <a:rPr lang="en-US" dirty="0">
+                <a:latin typeface="Calibri" charset="0"/>
+              </a:rPr>
+              <a:t>Or the following operations:</a:t>
+            </a:r>
+          </a:p>
+          <a:p>
+            <a:pPr lvl="1"/>
+            <a:r>
+              <a:rPr lang="en-US" dirty="0">
+                <a:latin typeface="Calibri" charset="0"/>
+              </a:rPr>
+              <a:t>1. Return a → Ma</a:t>
+            </a:r>
+          </a:p>
+          <a:p>
+            <a:pPr lvl="1"/>
+            <a:r>
+              <a:rPr lang="en-US" dirty="0">
+                <a:latin typeface="Calibri" charset="0"/>
+              </a:rPr>
+              <a:t>2. </a:t>
+            </a:r>
+            <a:r>
+              <a:rPr lang="en-US" dirty="0" err="1">
+                <a:latin typeface="Calibri" charset="0"/>
+              </a:rPr>
+              <a:t>fmap</a:t>
+            </a:r>
+            <a:r>
+              <a:rPr lang="en-US" dirty="0">
+                <a:latin typeface="Calibri" charset="0"/>
+              </a:rPr>
+              <a:t> (a → b) → Ma → Mb</a:t>
+            </a:r>
+          </a:p>
+          <a:p>
+            <a:pPr lvl="1"/>
+            <a:r>
+              <a:rPr lang="de-DE" dirty="0">
+                <a:latin typeface="Calibri" charset="0"/>
+              </a:rPr>
+              <a:t>3. join M (Ma) → Ma (flattens)</a:t>
+            </a:r>
+            <a:endParaRPr lang="en-US" dirty="0">
+              <a:latin typeface="Calibri" charset="0"/>
+            </a:endParaRPr>
+          </a:p>
+          <a:p>
+            <a:r>
               <a:rPr lang="en-US" dirty="0"/>
-              <a:t>Yeah </a:t>
-            </a:r>
-            <a:r>
-              <a:rPr lang="en-US" dirty="0" err="1"/>
-              <a:t>yeah</a:t>
-            </a:r>
-            <a:r>
+              <a:t/>
+            </a:r>
+            <a:br>
               <a:rPr lang="en-US" dirty="0"/>
-              <a:t>, that’s looks nice and so obvious, but what is a Monad?</a:t>
-            </a:r>
-          </a:p>
-          <a:p>
-            <a:pPr lvl="1"/>
-            <a:r>
-              <a:rPr lang="en-US" sz="2800" dirty="0"/>
-              <a:t>Allows us to wrap our values in a context and have functions within that context!</a:t>
-            </a:r>
-          </a:p>
-          <a:p>
-            <a:endParaRPr lang="en-US" sz="3200" dirty="0"/>
-          </a:p>
-          <a:p>
-            <a:r>
-              <a:rPr lang="en-US" dirty="0"/>
-              <a:t>But how does it help me?</a:t>
-            </a:r>
-          </a:p>
-          <a:p>
-            <a:pPr lvl="1"/>
-            <a:endParaRPr lang="en-US" sz="2800" dirty="0"/>
+            </a:br>
+            <a:endParaRPr lang="en-US" dirty="0"/>
+          </a:p>
+          <a:p>
+            <a:endParaRPr lang="en-US" dirty="0"/>
           </a:p>
         </p:txBody>
       </p:sp>
     </p:spTree>
     <p:extLst>
       <p:ext uri="{BB962C8B-B14F-4D97-AF65-F5344CB8AC3E}">
-        <p14:creationId xmlns:p14="http://schemas.microsoft.com/office/powerpoint/2010/main" val="3156839294"/>
+        <p14:creationId xmlns:p14="http://schemas.microsoft.com/office/powerpoint/2010/main" val="2872863005"/>
       </p:ext>
     </p:extLst>
   </p:cSld>
@@ -31052,175 +31401,57 @@
           <a:lstStyle/>
           <a:p>
             <a:r>
-              <a:rPr lang="en-US" dirty="0">
-                <a:latin typeface="Calibri" charset="0"/>
-              </a:rPr>
-              <a:t>The bind operation allows to pipe calls to each other</a:t>
-            </a:r>
-          </a:p>
-          <a:p>
-            <a:pPr algn="ctr"/>
-            <a:r>
-              <a:rPr lang="en-US" dirty="0" err="1">
-                <a:latin typeface="Calibri" charset="0"/>
-              </a:rPr>
-              <a:t>getLine</a:t>
-            </a:r>
-            <a:r>
-              <a:rPr lang="en-US" dirty="0">
-                <a:latin typeface="Calibri" charset="0"/>
-              </a:rPr>
-              <a:t> &gt;&gt;= </a:t>
-            </a:r>
-            <a:r>
-              <a:rPr lang="en-US" dirty="0" err="1">
-                <a:latin typeface="Calibri" charset="0"/>
-              </a:rPr>
-              <a:t>readFile</a:t>
-            </a:r>
-            <a:r>
-              <a:rPr lang="en-US" dirty="0">
-                <a:latin typeface="Calibri" charset="0"/>
-              </a:rPr>
-              <a:t> &gt;&gt;= </a:t>
-            </a:r>
-            <a:r>
-              <a:rPr lang="en-US" dirty="0" err="1">
-                <a:latin typeface="Calibri" charset="0"/>
-              </a:rPr>
-              <a:t>putStrLn</a:t>
-            </a:r>
-            <a:endParaRPr lang="en-US" dirty="0">
-              <a:latin typeface="Calibri" charset="0"/>
-            </a:endParaRPr>
-          </a:p>
-          <a:p>
-            <a:r>
-              <a:rPr lang="en-US" dirty="0">
-                <a:latin typeface="Calibri" charset="0"/>
-              </a:rPr>
-              <a:t>Or as the syntactic sugar do notation in </a:t>
-            </a:r>
-            <a:r>
-              <a:rPr lang="en-US" dirty="0" err="1">
-                <a:latin typeface="Calibri" charset="0"/>
-              </a:rPr>
-              <a:t>haskell</a:t>
-            </a:r>
-            <a:r>
-              <a:rPr lang="en-US" dirty="0">
-                <a:latin typeface="Calibri" charset="0"/>
-              </a:rPr>
-              <a:t>:</a:t>
-            </a:r>
-          </a:p>
-          <a:p>
-            <a:r>
-              <a:rPr lang="en-US" dirty="0">
-                <a:latin typeface="Calibri" charset="0"/>
-              </a:rPr>
-              <a:t>do </a:t>
+              <a:rPr lang="en-US" dirty="0"/>
+              <a:t>Yeah </a:t>
+            </a:r>
+            <a:r>
+              <a:rPr lang="en-US" dirty="0" err="1"/>
+              <a:t>yeah</a:t>
+            </a:r>
+            <a:r>
+              <a:rPr lang="en-US" dirty="0"/>
+              <a:t>, that’s looks nice and so obvious, but what is a Monad?</a:t>
             </a:r>
           </a:p>
           <a:p>
             <a:pPr lvl="1"/>
             <a:r>
-              <a:rPr lang="en-US" dirty="0" err="1">
-                <a:latin typeface="Calibri" charset="0"/>
-              </a:rPr>
-              <a:t>fName</a:t>
-            </a:r>
-            <a:r>
-              <a:rPr lang="en-US" dirty="0">
-                <a:latin typeface="Calibri" charset="0"/>
-              </a:rPr>
-              <a:t> ← </a:t>
-            </a:r>
-            <a:r>
-              <a:rPr lang="en-US" dirty="0" err="1">
-                <a:latin typeface="Calibri" charset="0"/>
-              </a:rPr>
-              <a:t>getLine</a:t>
-            </a:r>
-            <a:endParaRPr lang="en-US" dirty="0">
-              <a:latin typeface="Calibri" charset="0"/>
-            </a:endParaRPr>
+              <a:rPr lang="en-US" sz="2800" dirty="0"/>
+              <a:t>Allows us to wrap our values in a context and have functions within that context!</a:t>
+            </a:r>
+          </a:p>
+          <a:p>
+            <a:endParaRPr lang="en-US" sz="3200" dirty="0"/>
+          </a:p>
+          <a:p>
+            <a:r>
+              <a:rPr lang="en-US" dirty="0"/>
+              <a:t>But how does it help me?</a:t>
+            </a:r>
           </a:p>
           <a:p>
             <a:pPr lvl="1"/>
-            <a:r>
-              <a:rPr lang="en-US" dirty="0" err="1">
-                <a:latin typeface="Calibri" charset="0"/>
-              </a:rPr>
-              <a:t>fileContent</a:t>
-            </a:r>
-            <a:r>
-              <a:rPr lang="en-US" dirty="0">
-                <a:latin typeface="Calibri" charset="0"/>
-              </a:rPr>
-              <a:t> ← </a:t>
-            </a:r>
-            <a:r>
-              <a:rPr lang="en-US" dirty="0" err="1">
-                <a:latin typeface="Calibri" charset="0"/>
-              </a:rPr>
-              <a:t>readFile</a:t>
-            </a:r>
-            <a:r>
-              <a:rPr lang="en-US" dirty="0">
-                <a:latin typeface="Calibri" charset="0"/>
-              </a:rPr>
-              <a:t> </a:t>
-            </a:r>
-            <a:r>
-              <a:rPr lang="en-US" dirty="0" err="1">
-                <a:latin typeface="Calibri" charset="0"/>
-              </a:rPr>
-              <a:t>fName</a:t>
-            </a:r>
-            <a:endParaRPr lang="en-US" dirty="0">
-              <a:latin typeface="Calibri" charset="0"/>
-            </a:endParaRPr>
-          </a:p>
-          <a:p>
-            <a:pPr lvl="1"/>
-            <a:r>
-              <a:rPr lang="en-US" dirty="0" err="1">
-                <a:latin typeface="Calibri" charset="0"/>
-              </a:rPr>
-              <a:t>putStrln</a:t>
-            </a:r>
-            <a:r>
-              <a:rPr lang="en-US" dirty="0">
-                <a:latin typeface="Calibri" charset="0"/>
-              </a:rPr>
-              <a:t> </a:t>
-            </a:r>
-            <a:r>
-              <a:rPr lang="en-US" dirty="0" err="1">
-                <a:latin typeface="Calibri" charset="0"/>
-              </a:rPr>
-              <a:t>fileContent</a:t>
-            </a:r>
-            <a:endParaRPr lang="en-US" dirty="0">
-              <a:latin typeface="Calibri" charset="0"/>
-            </a:endParaRPr>
-          </a:p>
-          <a:p>
-            <a:endParaRPr lang="en-US" dirty="0"/>
+            <a:endParaRPr lang="en-US" sz="2800" dirty="0"/>
           </a:p>
         </p:txBody>
       </p:sp>
     </p:spTree>
     <p:extLst>
       <p:ext uri="{BB962C8B-B14F-4D97-AF65-F5344CB8AC3E}">
-        <p14:creationId xmlns:p14="http://schemas.microsoft.com/office/powerpoint/2010/main" val="1405407902"/>
+        <p14:creationId xmlns:p14="http://schemas.microsoft.com/office/powerpoint/2010/main" val="3156839294"/>
       </p:ext>
     </p:extLst>
   </p:cSld>
   <p:clrMapOvr>
     <a:masterClrMapping/>
   </p:clrMapOvr>
+  <p:timing>
+    <p:tnLst>
+      <p:par>
+        <p:cTn id="1" dur="indefinite" restart="never" nodeType="tmRoot"/>
+      </p:par>
+    </p:tnLst>
+  </p:timing>
 </p:sld>
 </file>
 
@@ -31258,10 +31489,8 @@
           <a:p>
             <a:pPr algn="ctr"/>
             <a:r>
-              <a:rPr lang="en-US" dirty="0">
-                <a:latin typeface="Calibri Light" charset="0"/>
-              </a:rPr>
-              <a:t>Maybe Monad - Java</a:t>
+              <a:rPr lang="en-US" dirty="0"/>
+              <a:t>Monads</a:t>
             </a:r>
           </a:p>
         </p:txBody>
@@ -31287,51 +31516,156 @@
               <a:rPr lang="en-US" dirty="0">
                 <a:latin typeface="Calibri" charset="0"/>
               </a:rPr>
-              <a:t>Type constructor :</a:t>
-            </a:r>
-          </a:p>
-          <a:p>
-            <a:pPr lvl="1"/>
+              <a:t>The bind operation allows to pipe calls to each other</a:t>
+            </a:r>
+          </a:p>
+          <a:p>
+            <a:pPr algn="ctr"/>
+            <a:r>
+              <a:rPr lang="en-US" dirty="0" err="1">
+                <a:latin typeface="Calibri" charset="0"/>
+              </a:rPr>
+              <a:t>getLine</a:t>
+            </a:r>
             <a:r>
               <a:rPr lang="en-US" dirty="0">
                 <a:latin typeface="Calibri" charset="0"/>
               </a:rPr>
-              <a:t>Optional&lt;T&gt;</a:t>
-            </a:r>
-          </a:p>
-          <a:p>
+              <a:t> &gt;&gt;= </a:t>
+            </a:r>
+            <a:r>
+              <a:rPr lang="en-US" dirty="0" err="1">
+                <a:latin typeface="Calibri" charset="0"/>
+              </a:rPr>
+              <a:t>readFile</a:t>
+            </a:r>
             <a:r>
               <a:rPr lang="en-US" dirty="0">
                 <a:latin typeface="Calibri" charset="0"/>
               </a:rPr>
-              <a:t>Return </a:t>
-            </a:r>
-          </a:p>
-          <a:p>
-            <a:pPr lvl="1"/>
+              <a:t> &gt;&gt;= </a:t>
+            </a:r>
+            <a:r>
+              <a:rPr lang="en-US" dirty="0" err="1">
+                <a:latin typeface="Calibri" charset="0"/>
+              </a:rPr>
+              <a:t>putStrLn</a:t>
+            </a:r>
+            <a:endParaRPr lang="en-US" dirty="0">
+              <a:latin typeface="Calibri" charset="0"/>
+            </a:endParaRPr>
+          </a:p>
+          <a:p>
             <a:r>
               <a:rPr lang="en-US" dirty="0">
                 <a:latin typeface="Calibri" charset="0"/>
               </a:rPr>
-              <a:t>Optional.of&lt;T&gt;</a:t>
-            </a:r>
-          </a:p>
-          <a:p>
+              <a:t>Or as the syntactic sugar do notation in </a:t>
+            </a:r>
+            <a:r>
+              <a:rPr lang="en-US" dirty="0" err="1">
+                <a:latin typeface="Calibri" charset="0"/>
+              </a:rPr>
+              <a:t>haskell</a:t>
+            </a:r>
             <a:r>
               <a:rPr lang="en-US" dirty="0">
                 <a:latin typeface="Calibri" charset="0"/>
               </a:rPr>
-              <a:t>Bind</a:t>
-            </a:r>
-          </a:p>
-          <a:p>
-            <a:pPr lvl="1"/>
+              <a:t>:</a:t>
+            </a:r>
+          </a:p>
+          <a:p>
             <a:r>
               <a:rPr lang="en-US" dirty="0">
                 <a:latin typeface="Calibri" charset="0"/>
               </a:rPr>
-              <a:t>Optional.flatMap</a:t>
-            </a:r>
+              <a:t>do </a:t>
+            </a:r>
+          </a:p>
+          <a:p>
+            <a:pPr lvl="1"/>
+            <a:r>
+              <a:rPr lang="en-US" dirty="0" err="1">
+                <a:latin typeface="Calibri" charset="0"/>
+              </a:rPr>
+              <a:t>fName</a:t>
+            </a:r>
+            <a:r>
+              <a:rPr lang="en-US" dirty="0">
+                <a:latin typeface="Calibri" charset="0"/>
+              </a:rPr>
+              <a:t> ← </a:t>
+            </a:r>
+            <a:r>
+              <a:rPr lang="en-US" dirty="0" err="1">
+                <a:latin typeface="Calibri" charset="0"/>
+              </a:rPr>
+              <a:t>getLine</a:t>
+            </a:r>
+            <a:endParaRPr lang="en-US" dirty="0">
+              <a:latin typeface="Calibri" charset="0"/>
+            </a:endParaRPr>
+          </a:p>
+          <a:p>
+            <a:pPr lvl="1"/>
+            <a:r>
+              <a:rPr lang="en-US" dirty="0" err="1">
+                <a:latin typeface="Calibri" charset="0"/>
+              </a:rPr>
+              <a:t>fileContent</a:t>
+            </a:r>
+            <a:r>
+              <a:rPr lang="en-US" dirty="0">
+                <a:latin typeface="Calibri" charset="0"/>
+              </a:rPr>
+              <a:t> ← </a:t>
+            </a:r>
+            <a:r>
+              <a:rPr lang="en-US" dirty="0" err="1">
+                <a:latin typeface="Calibri" charset="0"/>
+              </a:rPr>
+              <a:t>readFile</a:t>
+            </a:r>
+            <a:r>
+              <a:rPr lang="en-US" dirty="0">
+                <a:latin typeface="Calibri" charset="0"/>
+              </a:rPr>
+              <a:t> </a:t>
+            </a:r>
+            <a:r>
+              <a:rPr lang="en-US" dirty="0" err="1">
+                <a:latin typeface="Calibri" charset="0"/>
+              </a:rPr>
+              <a:t>fName</a:t>
+            </a:r>
+            <a:endParaRPr lang="en-US" dirty="0">
+              <a:latin typeface="Calibri" charset="0"/>
+            </a:endParaRPr>
+          </a:p>
+          <a:p>
+            <a:pPr lvl="1"/>
+            <a:r>
+              <a:rPr lang="en-US" dirty="0" err="1">
+                <a:latin typeface="Calibri" charset="0"/>
+              </a:rPr>
+              <a:t>putStrln</a:t>
+            </a:r>
+            <a:r>
+              <a:rPr lang="en-US" dirty="0">
+                <a:latin typeface="Calibri" charset="0"/>
+              </a:rPr>
+              <a:t> </a:t>
+            </a:r>
+            <a:r>
+              <a:rPr lang="en-US" dirty="0" err="1">
+                <a:latin typeface="Calibri" charset="0"/>
+              </a:rPr>
+              <a:t>fileContent</a:t>
+            </a:r>
+            <a:endParaRPr lang="en-US" dirty="0">
+              <a:latin typeface="Calibri" charset="0"/>
+            </a:endParaRPr>
           </a:p>
           <a:p>
             <a:endParaRPr lang="en-US" dirty="0"/>
@@ -31341,7 +31675,7 @@
     </p:spTree>
     <p:extLst>
       <p:ext uri="{BB962C8B-B14F-4D97-AF65-F5344CB8AC3E}">
-        <p14:creationId xmlns:p14="http://schemas.microsoft.com/office/powerpoint/2010/main" val="2866168099"/>
+        <p14:creationId xmlns:p14="http://schemas.microsoft.com/office/powerpoint/2010/main" val="1405407902"/>
       </p:ext>
     </p:extLst>
   </p:cSld>
@@ -31385,8 +31719,10 @@
           <a:p>
             <a:pPr algn="ctr"/>
             <a:r>
-              <a:rPr lang="en-US" dirty="0"/>
-              <a:t>Maybe Monad</a:t>
+              <a:rPr lang="en-US" dirty="0">
+                <a:latin typeface="Calibri Light" charset="0"/>
+              </a:rPr>
+              <a:t>Maybe Monad - Java</a:t>
             </a:r>
           </a:p>
         </p:txBody>
@@ -31409,50 +31745,64 @@
           <a:lstStyle/>
           <a:p>
             <a:r>
-              <a:rPr lang="en-US" dirty="0"/>
-              <a:t>In many cases, there either is an object or there isn't and how the operation should be done is very </a:t>
-            </a:r>
-            <a:r>
-              <a:rPr lang="en-US" dirty="0" err="1"/>
-              <a:t>dependant</a:t>
-            </a:r>
-            <a:r>
-              <a:rPr lang="en-US" dirty="0"/>
-              <a:t> on this.</a:t>
-            </a:r>
-          </a:p>
-          <a:p>
-            <a:r>
-              <a:rPr lang="en-US" dirty="0"/>
-              <a:t>In non-functional programming style, people use null.</a:t>
-            </a:r>
-          </a:p>
-          <a:p>
-            <a:r>
-              <a:rPr lang="en-US" dirty="0"/>
-              <a:t>Null is bad!</a:t>
+              <a:rPr lang="en-US" dirty="0">
+                <a:latin typeface="Calibri" charset="0"/>
+              </a:rPr>
+              <a:t>Type constructor :</a:t>
             </a:r>
           </a:p>
           <a:p>
             <a:pPr lvl="1"/>
             <a:r>
-              <a:rPr lang="en-US" sz="2800" dirty="0"/>
-              <a:t>Its hidden</a:t>
+              <a:rPr lang="en-US" dirty="0">
+                <a:latin typeface="Calibri" charset="0"/>
+              </a:rPr>
+              <a:t>Optional&lt;T&gt;</a:t>
+            </a:r>
+          </a:p>
+          <a:p>
+            <a:r>
+              <a:rPr lang="en-US" dirty="0">
+                <a:latin typeface="Calibri" charset="0"/>
+              </a:rPr>
+              <a:t>Return </a:t>
             </a:r>
           </a:p>
           <a:p>
             <a:pPr lvl="1"/>
             <a:r>
-              <a:rPr lang="en-US" sz="2800" dirty="0"/>
-              <a:t>It actually gives one extra type to the object.</a:t>
-            </a:r>
+              <a:rPr lang="en-US" dirty="0">
+                <a:latin typeface="Calibri" charset="0"/>
+              </a:rPr>
+              <a:t>Optional.of&lt;T&gt;</a:t>
+            </a:r>
+          </a:p>
+          <a:p>
+            <a:r>
+              <a:rPr lang="en-US" dirty="0">
+                <a:latin typeface="Calibri" charset="0"/>
+              </a:rPr>
+              <a:t>Bind</a:t>
+            </a:r>
+          </a:p>
+          <a:p>
+            <a:pPr lvl="1"/>
+            <a:r>
+              <a:rPr lang="en-US" dirty="0">
+                <a:latin typeface="Calibri" charset="0"/>
+              </a:rPr>
+              <a:t>Optional.flatMap</a:t>
+            </a:r>
+          </a:p>
+          <a:p>
+            <a:endParaRPr lang="en-US" dirty="0"/>
           </a:p>
         </p:txBody>
       </p:sp>
     </p:spTree>
     <p:extLst>
       <p:ext uri="{BB962C8B-B14F-4D97-AF65-F5344CB8AC3E}">
-        <p14:creationId xmlns:p14="http://schemas.microsoft.com/office/powerpoint/2010/main" val="3168910269"/>
+        <p14:creationId xmlns:p14="http://schemas.microsoft.com/office/powerpoint/2010/main" val="2866168099"/>
       </p:ext>
     </p:extLst>
   </p:cSld>
@@ -31521,62 +31871,49 @@
           <a:p>
             <a:r>
               <a:rPr lang="en-US" dirty="0"/>
-              <a:t>In Java its quite common to see lots of these:</a:t>
+              <a:t>In many cases, there either is an object or there isn't and how the operation should be done is very </a:t>
+            </a:r>
+            <a:r>
+              <a:rPr lang="en-US" dirty="0" err="1"/>
+              <a:t>dependant</a:t>
+            </a:r>
+            <a:r>
+              <a:rPr lang="en-US" dirty="0"/>
+              <a:t> on this.</a:t>
+            </a:r>
+          </a:p>
+          <a:p>
+            <a:r>
+              <a:rPr lang="en-US" dirty="0"/>
+              <a:t>In non-functional programming style, people use null.</a:t>
+            </a:r>
+          </a:p>
+          <a:p>
+            <a:r>
+              <a:rPr lang="en-US" dirty="0"/>
+              <a:t>Null is bad!</a:t>
             </a:r>
           </a:p>
           <a:p>
             <a:pPr lvl="1"/>
             <a:r>
               <a:rPr lang="en-US" sz="2800" dirty="0"/>
-              <a:t>if (object != null) …</a:t>
-            </a:r>
-          </a:p>
-          <a:p>
-            <a:r>
-              <a:rPr lang="en-US" sz="3200" dirty="0"/>
-              <a:t>Why do we this to our selves?!</a:t>
-            </a:r>
-          </a:p>
-          <a:p>
-            <a:r>
-              <a:rPr lang="en-US" sz="3200" dirty="0"/>
-              <a:t>And the extra fun cases of where Java does its boxing/</a:t>
-            </a:r>
-            <a:r>
-              <a:rPr lang="en-US" sz="3200" dirty="0" err="1"/>
-              <a:t>unboxning</a:t>
-            </a:r>
-            <a:r>
-              <a:rPr lang="en-US" sz="3200" dirty="0"/>
-              <a:t> and the fun </a:t>
-            </a:r>
-            <a:r>
-              <a:rPr lang="en-US" sz="3200" dirty="0" err="1"/>
-              <a:t>NullPointerExceptions</a:t>
-            </a:r>
-            <a:r>
-              <a:rPr lang="en-US" sz="3200" dirty="0"/>
-              <a:t> we get when having a method signature m ( </a:t>
-            </a:r>
-            <a:r>
-              <a:rPr lang="en-US" sz="3200" dirty="0" err="1"/>
-              <a:t>int</a:t>
-            </a:r>
-            <a:r>
-              <a:rPr lang="en-US" sz="3200" dirty="0"/>
-              <a:t>) and calling it with Integer object that is null.</a:t>
+              <a:t>Its hidden</a:t>
             </a:r>
           </a:p>
           <a:p>
             <a:pPr lvl="1"/>
-            <a:endParaRPr lang="en-US" sz="2800" dirty="0"/>
+            <a:r>
+              <a:rPr lang="en-US" sz="2800" dirty="0"/>
+              <a:t>It actually gives one extra type to the object.</a:t>
+            </a:r>
           </a:p>
         </p:txBody>
       </p:sp>
     </p:spTree>
     <p:extLst>
       <p:ext uri="{BB962C8B-B14F-4D97-AF65-F5344CB8AC3E}">
-        <p14:creationId xmlns:p14="http://schemas.microsoft.com/office/powerpoint/2010/main" val="799002713"/>
+        <p14:creationId xmlns:p14="http://schemas.microsoft.com/office/powerpoint/2010/main" val="3168910269"/>
       </p:ext>
     </p:extLst>
   </p:cSld>
@@ -31645,27 +31982,62 @@
           <a:p>
             <a:r>
               <a:rPr lang="en-US" dirty="0"/>
-              <a:t>Instead we can use monads!</a:t>
-            </a:r>
-          </a:p>
-          <a:p>
-            <a:r>
-              <a:rPr lang="en-US" dirty="0"/>
-              <a:t>Because monad is a type associated with a context.</a:t>
-            </a:r>
-          </a:p>
-          <a:p>
-            <a:r>
-              <a:rPr lang="en-US" dirty="0"/>
-              <a:t>In this case it’s a object in the context of it might or might not exist.</a:t>
-            </a:r>
+              <a:t>In Java its quite common to see lots of these:</a:t>
+            </a:r>
+          </a:p>
+          <a:p>
+            <a:pPr lvl="1"/>
+            <a:r>
+              <a:rPr lang="en-US" sz="2800" dirty="0"/>
+              <a:t>if (object != null) …</a:t>
+            </a:r>
+          </a:p>
+          <a:p>
+            <a:r>
+              <a:rPr lang="en-US" sz="3200" dirty="0"/>
+              <a:t>Why do we this to our selves?!</a:t>
+            </a:r>
+          </a:p>
+          <a:p>
+            <a:r>
+              <a:rPr lang="en-US" sz="3200" dirty="0"/>
+              <a:t>And the extra fun cases of where Java does its boxing/</a:t>
+            </a:r>
+            <a:r>
+              <a:rPr lang="en-US" sz="3200" dirty="0" err="1"/>
+              <a:t>unboxning</a:t>
+            </a:r>
+            <a:r>
+              <a:rPr lang="en-US" sz="3200" dirty="0"/>
+              <a:t> and the fun </a:t>
+            </a:r>
+            <a:r>
+              <a:rPr lang="en-US" sz="3200" dirty="0" err="1"/>
+              <a:t>NullPointerExceptions</a:t>
+            </a:r>
+            <a:r>
+              <a:rPr lang="en-US" sz="3200" dirty="0"/>
+              <a:t> we get when having a method signature m ( </a:t>
+            </a:r>
+            <a:r>
+              <a:rPr lang="en-US" sz="3200" dirty="0" err="1"/>
+              <a:t>int</a:t>
+            </a:r>
+            <a:r>
+              <a:rPr lang="en-US" sz="3200" dirty="0"/>
+              <a:t>) and calling it with Integer object that is null.</a:t>
+            </a:r>
+          </a:p>
+          <a:p>
+            <a:pPr lvl="1"/>
+            <a:endParaRPr lang="en-US" sz="2800" dirty="0"/>
           </a:p>
         </p:txBody>
       </p:sp>
     </p:spTree>
     <p:extLst>
       <p:ext uri="{BB962C8B-B14F-4D97-AF65-F5344CB8AC3E}">
-        <p14:creationId xmlns:p14="http://schemas.microsoft.com/office/powerpoint/2010/main" val="972881265"/>
+        <p14:creationId xmlns:p14="http://schemas.microsoft.com/office/powerpoint/2010/main" val="799002713"/>
       </p:ext>
     </p:extLst>
   </p:cSld>
@@ -31710,6 +32082,95 @@
             <a:pPr algn="ctr"/>
             <a:r>
               <a:rPr lang="en-US" dirty="0"/>
+              <a:t>Maybe Monad</a:t>
+            </a:r>
+          </a:p>
+        </p:txBody>
+      </p:sp>
+      <p:sp>
+        <p:nvSpPr>
+          <p:cNvPr id="3" name="Content Placeholder 2"/>
+          <p:cNvSpPr>
+            <a:spLocks noGrp="1"/>
+          </p:cNvSpPr>
+          <p:nvPr>
+            <p:ph idx="1"/>
+          </p:nvPr>
+        </p:nvSpPr>
+        <p:spPr/>
+        <p:txBody>
+          <a:bodyPr vert="horz" lIns="91440" tIns="45720" rIns="91440" bIns="45720" rtlCol="0" anchor="t">
+            <a:normAutofit/>
+          </a:bodyPr>
+          <a:lstStyle/>
+          <a:p>
+            <a:r>
+              <a:rPr lang="en-US" dirty="0"/>
+              <a:t>Instead we can use monads!</a:t>
+            </a:r>
+          </a:p>
+          <a:p>
+            <a:r>
+              <a:rPr lang="en-US" dirty="0"/>
+              <a:t>Because monad is a type associated with a context.</a:t>
+            </a:r>
+          </a:p>
+          <a:p>
+            <a:r>
+              <a:rPr lang="en-US" dirty="0"/>
+              <a:t>In this case it’s a object in the context of it might or might not exist.</a:t>
+            </a:r>
+          </a:p>
+        </p:txBody>
+      </p:sp>
+    </p:spTree>
+    <p:extLst>
+      <p:ext uri="{BB962C8B-B14F-4D97-AF65-F5344CB8AC3E}">
+        <p14:creationId xmlns:p14="http://schemas.microsoft.com/office/powerpoint/2010/main" val="972881265"/>
+      </p:ext>
+    </p:extLst>
+  </p:cSld>
+  <p:clrMapOvr>
+    <a:masterClrMapping/>
+  </p:clrMapOvr>
+</p:sld>
+</file>
+
+<file path=ppt/slides/slide78.xml><?xml version="1.0" encoding="utf-8"?>
+<p:sld xmlns:a="http://schemas.openxmlformats.org/drawingml/2006/main" xmlns:r="http://schemas.openxmlformats.org/officeDocument/2006/relationships" xmlns:p="http://schemas.openxmlformats.org/presentationml/2006/main">
+  <p:cSld>
+    <p:spTree>
+      <p:nvGrpSpPr>
+        <p:cNvPr id="1" name=""/>
+        <p:cNvGrpSpPr/>
+        <p:nvPr/>
+      </p:nvGrpSpPr>
+      <p:grpSpPr>
+        <a:xfrm>
+          <a:off x="0" y="0"/>
+          <a:ext cx="0" cy="0"/>
+          <a:chOff x="0" y="0"/>
+          <a:chExt cx="0" cy="0"/>
+        </a:xfrm>
+      </p:grpSpPr>
+      <p:sp>
+        <p:nvSpPr>
+          <p:cNvPr id="2" name="Title 1"/>
+          <p:cNvSpPr>
+            <a:spLocks noGrp="1"/>
+          </p:cNvSpPr>
+          <p:nvPr>
+            <p:ph type="title"/>
+          </p:nvPr>
+        </p:nvSpPr>
+        <p:spPr/>
+        <p:txBody>
+          <a:bodyPr/>
+          <a:lstStyle/>
+          <a:p>
+            <a:pPr algn="ctr"/>
+            <a:r>
+              <a:rPr lang="en-US" dirty="0"/>
               <a:t>Lazy or Strict Evaluation</a:t>
             </a:r>
           </a:p>
@@ -31767,7 +32228,7 @@
 </p:sld>
 </file>
 
-<file path=ppt/slides/slide78.xml><?xml version="1.0" encoding="utf-8"?>
+<file path=ppt/slides/slide79.xml><?xml version="1.0" encoding="utf-8"?>
 <p:sld xmlns:a="http://schemas.openxmlformats.org/drawingml/2006/main" xmlns:r="http://schemas.openxmlformats.org/officeDocument/2006/relationships" xmlns:p="http://schemas.openxmlformats.org/presentationml/2006/main">
   <p:cSld>
     <p:spTree>
@@ -33182,6 +33643,361 @@
       </p:par>
     </p:tnLst>
   </p:timing>
+</p:sld>
+</file>
+
+<file path=ppt/slides/slide80.xml><?xml version="1.0" encoding="utf-8"?>
+<p:sld xmlns:a="http://schemas.openxmlformats.org/drawingml/2006/main" xmlns:r="http://schemas.openxmlformats.org/officeDocument/2006/relationships" xmlns:p="http://schemas.openxmlformats.org/presentationml/2006/main">
+  <p:cSld>
+    <p:spTree>
+      <p:nvGrpSpPr>
+        <p:cNvPr id="1" name=""/>
+        <p:cNvGrpSpPr/>
+        <p:nvPr/>
+      </p:nvGrpSpPr>
+      <p:grpSpPr>
+        <a:xfrm>
+          <a:off x="0" y="0"/>
+          <a:ext cx="0" cy="0"/>
+          <a:chOff x="0" y="0"/>
+          <a:chExt cx="0" cy="0"/>
+        </a:xfrm>
+      </p:grpSpPr>
+      <p:sp>
+        <p:nvSpPr>
+          <p:cNvPr id="2" name="Title 1"/>
+          <p:cNvSpPr>
+            <a:spLocks noGrp="1"/>
+          </p:cNvSpPr>
+          <p:nvPr>
+            <p:ph type="title"/>
+          </p:nvPr>
+        </p:nvSpPr>
+        <p:spPr/>
+        <p:txBody>
+          <a:bodyPr/>
+          <a:lstStyle/>
+          <a:p>
+            <a:pPr algn="ctr"/>
+            <a:r>
+              <a:rPr lang="en-US" dirty="0"/>
+              <a:t>Lazy Evaluation</a:t>
+            </a:r>
+          </a:p>
+        </p:txBody>
+      </p:sp>
+      <p:sp>
+        <p:nvSpPr>
+          <p:cNvPr id="3" name="Content Placeholder 2"/>
+          <p:cNvSpPr>
+            <a:spLocks noGrp="1"/>
+          </p:cNvSpPr>
+          <p:nvPr>
+            <p:ph idx="1"/>
+          </p:nvPr>
+        </p:nvSpPr>
+        <p:spPr/>
+        <p:txBody>
+          <a:bodyPr vert="horz" lIns="91440" tIns="45720" rIns="91440" bIns="45720" rtlCol="0" anchor="t">
+            <a:normAutofit/>
+          </a:bodyPr>
+          <a:lstStyle/>
+          <a:p>
+            <a:r>
+              <a:rPr lang="en-US" dirty="0"/>
+              <a:t>Lazy evaluation in combination with side effects is a bad thing</a:t>
+            </a:r>
+          </a:p>
+          <a:p>
+            <a:r>
+              <a:rPr lang="en-US" dirty="0"/>
+              <a:t>Lazy evaluation in combination with change of state is a bad thing</a:t>
+            </a:r>
+          </a:p>
+          <a:p>
+            <a:r>
+              <a:rPr lang="en-US" dirty="0"/>
+              <a:t>We can never know if or even when some code gets evaluated.</a:t>
+            </a:r>
+          </a:p>
+          <a:p>
+            <a:r>
+              <a:rPr lang="en-US" dirty="0"/>
+              <a:t>But that is also the strength of the lazy evaluation. Calculations that do not change the result does not have to be carried out. </a:t>
+            </a:r>
+          </a:p>
+          <a:p>
+            <a:r>
+              <a:rPr lang="en-US" dirty="0"/>
+              <a:t>Can make some testing harder. One has to think extra about the mocked data.</a:t>
+            </a:r>
+          </a:p>
+          <a:p>
+            <a:r>
+              <a:rPr lang="en-US" dirty="0"/>
+              <a:t>Performance measurement can yield very interesting result and not at all where it is expected.</a:t>
+            </a:r>
+          </a:p>
+        </p:txBody>
+      </p:sp>
+    </p:spTree>
+    <p:extLst>
+      <p:ext uri="{BB962C8B-B14F-4D97-AF65-F5344CB8AC3E}">
+        <p14:creationId xmlns:p14="http://schemas.microsoft.com/office/powerpoint/2010/main" val="306768367"/>
+      </p:ext>
+    </p:extLst>
+  </p:cSld>
+  <p:clrMapOvr>
+    <a:masterClrMapping/>
+  </p:clrMapOvr>
+</p:sld>
+</file>
+
+<file path=ppt/slides/slide81.xml><?xml version="1.0" encoding="utf-8"?>
+<p:sld xmlns:a="http://schemas.openxmlformats.org/drawingml/2006/main" xmlns:r="http://schemas.openxmlformats.org/officeDocument/2006/relationships" xmlns:p="http://schemas.openxmlformats.org/presentationml/2006/main">
+  <p:cSld>
+    <p:spTree>
+      <p:nvGrpSpPr>
+        <p:cNvPr id="1" name=""/>
+        <p:cNvGrpSpPr/>
+        <p:nvPr/>
+      </p:nvGrpSpPr>
+      <p:grpSpPr>
+        <a:xfrm>
+          <a:off x="0" y="0"/>
+          <a:ext cx="0" cy="0"/>
+          <a:chOff x="0" y="0"/>
+          <a:chExt cx="0" cy="0"/>
+        </a:xfrm>
+      </p:grpSpPr>
+      <p:sp>
+        <p:nvSpPr>
+          <p:cNvPr id="2" name="Title 1"/>
+          <p:cNvSpPr>
+            <a:spLocks noGrp="1"/>
+          </p:cNvSpPr>
+          <p:nvPr>
+            <p:ph type="title"/>
+          </p:nvPr>
+        </p:nvSpPr>
+        <p:spPr/>
+        <p:txBody>
+          <a:bodyPr/>
+          <a:lstStyle/>
+          <a:p>
+            <a:pPr algn="ctr"/>
+            <a:r>
+              <a:rPr lang="en-US" dirty="0"/>
+              <a:t>Lazy </a:t>
+            </a:r>
+            <a:r>
+              <a:rPr lang="en-US" dirty="0" err="1"/>
+              <a:t>evaulation</a:t>
+            </a:r>
+            <a:r>
+              <a:rPr lang="en-US" dirty="0"/>
+              <a:t> in real world</a:t>
+            </a:r>
+          </a:p>
+        </p:txBody>
+      </p:sp>
+      <p:sp>
+        <p:nvSpPr>
+          <p:cNvPr id="3" name="Content Placeholder 2"/>
+          <p:cNvSpPr>
+            <a:spLocks noGrp="1"/>
+          </p:cNvSpPr>
+          <p:nvPr>
+            <p:ph idx="1"/>
+          </p:nvPr>
+        </p:nvSpPr>
+        <p:spPr/>
+        <p:txBody>
+          <a:bodyPr vert="horz" lIns="91440" tIns="45720" rIns="91440" bIns="45720" rtlCol="0" anchor="t">
+            <a:normAutofit/>
+          </a:bodyPr>
+          <a:lstStyle/>
+          <a:p>
+            <a:r>
+              <a:rPr lang="en-US" dirty="0"/>
+              <a:t>We live in a world where there is state. Where there are some side effects.</a:t>
+            </a:r>
+          </a:p>
+          <a:p>
+            <a:r>
+              <a:rPr lang="en-US" dirty="0"/>
+              <a:t>This means that we have to think carefully about where the laziness is and how it can help us.</a:t>
+            </a:r>
+          </a:p>
+        </p:txBody>
+      </p:sp>
+    </p:spTree>
+    <p:extLst>
+      <p:ext uri="{BB962C8B-B14F-4D97-AF65-F5344CB8AC3E}">
+        <p14:creationId xmlns:p14="http://schemas.microsoft.com/office/powerpoint/2010/main" val="2270699778"/>
+      </p:ext>
+    </p:extLst>
+  </p:cSld>
+  <p:clrMapOvr>
+    <a:masterClrMapping/>
+  </p:clrMapOvr>
+</p:sld>
+</file>
+
+<file path=ppt/slides/slide82.xml><?xml version="1.0" encoding="utf-8"?>
+<p:sld xmlns:a="http://schemas.openxmlformats.org/drawingml/2006/main" xmlns:r="http://schemas.openxmlformats.org/officeDocument/2006/relationships" xmlns:p="http://schemas.openxmlformats.org/presentationml/2006/main">
+  <p:cSld>
+    <p:spTree>
+      <p:nvGrpSpPr>
+        <p:cNvPr id="1" name=""/>
+        <p:cNvGrpSpPr/>
+        <p:nvPr/>
+      </p:nvGrpSpPr>
+      <p:grpSpPr>
+        <a:xfrm>
+          <a:off x="0" y="0"/>
+          <a:ext cx="0" cy="0"/>
+          <a:chOff x="0" y="0"/>
+          <a:chExt cx="0" cy="0"/>
+        </a:xfrm>
+      </p:grpSpPr>
+      <p:sp>
+        <p:nvSpPr>
+          <p:cNvPr id="2" name="Title 1"/>
+          <p:cNvSpPr>
+            <a:spLocks noGrp="1"/>
+          </p:cNvSpPr>
+          <p:nvPr>
+            <p:ph type="title"/>
+          </p:nvPr>
+        </p:nvSpPr>
+        <p:spPr/>
+        <p:txBody>
+          <a:bodyPr/>
+          <a:lstStyle/>
+          <a:p>
+            <a:pPr algn="ctr"/>
+            <a:r>
+              <a:rPr lang="en-US" dirty="0"/>
+              <a:t>Reading</a:t>
+            </a:r>
+          </a:p>
+        </p:txBody>
+      </p:sp>
+      <p:sp>
+        <p:nvSpPr>
+          <p:cNvPr id="3" name="Content Placeholder 2"/>
+          <p:cNvSpPr>
+            <a:spLocks noGrp="1"/>
+          </p:cNvSpPr>
+          <p:nvPr>
+            <p:ph idx="1"/>
+          </p:nvPr>
+        </p:nvSpPr>
+        <p:spPr>
+          <a:xfrm>
+            <a:off x="838199" y="1825625"/>
+            <a:ext cx="10961078" cy="4351338"/>
+          </a:xfrm>
+        </p:spPr>
+        <p:txBody>
+          <a:bodyPr vert="horz" lIns="91440" tIns="45720" rIns="91440" bIns="45720" rtlCol="0" anchor="t">
+            <a:normAutofit/>
+          </a:bodyPr>
+          <a:lstStyle/>
+          <a:p>
+            <a:pPr marL="0" indent="0">
+              <a:lnSpc>
+                <a:spcPct val="150000"/>
+              </a:lnSpc>
+              <a:buNone/>
+            </a:pPr>
+            <a:r>
+              <a:rPr lang="en-US" sz="2000" dirty="0">
+                <a:hlinkClick r:id="rId3"/>
+              </a:rPr>
+              <a:t>learnyouahaskell.com/</a:t>
+            </a:r>
+            <a:r>
+              <a:rPr lang="en-US" sz="2000" dirty="0"/>
+              <a:t> – Great resource on Haskell and Functional programming in general</a:t>
+            </a:r>
+          </a:p>
+          <a:p>
+            <a:pPr marL="0" indent="0">
+              <a:lnSpc>
+                <a:spcPct val="150000"/>
+              </a:lnSpc>
+              <a:buNone/>
+            </a:pPr>
+            <a:r>
+              <a:rPr lang="en-US" sz="2000" dirty="0">
+                <a:hlinkClick r:id="rId4"/>
+              </a:rPr>
+              <a:t>coursera.org/course/progfun</a:t>
+            </a:r>
+            <a:r>
+              <a:rPr lang="en-US" sz="2000" dirty="0"/>
+              <a:t> – Functional programming in Scala by the languages’ creator!</a:t>
+            </a:r>
+          </a:p>
+          <a:p>
+            <a:pPr marL="0" indent="0">
+              <a:lnSpc>
+                <a:spcPct val="150000"/>
+              </a:lnSpc>
+              <a:buNone/>
+            </a:pPr>
+            <a:r>
+              <a:rPr lang="en-US" sz="2000" dirty="0">
+                <a:hlinkClick r:id="rId5"/>
+              </a:rPr>
+              <a:t>developer.mozilla.org/en-US/docs/Web/JavaScript</a:t>
+            </a:r>
+            <a:r>
+              <a:rPr lang="en-US" sz="2000" dirty="0"/>
+              <a:t> – Excellent Javascript resource</a:t>
+            </a:r>
+          </a:p>
+          <a:p>
+            <a:pPr marL="0" indent="0">
+              <a:lnSpc>
+                <a:spcPct val="150000"/>
+              </a:lnSpc>
+              <a:buNone/>
+            </a:pPr>
+            <a:r>
+              <a:rPr lang="en-US" sz="2000" i="1" dirty="0"/>
+              <a:t>Why Functional Programming Matters</a:t>
+            </a:r>
+            <a:r>
+              <a:rPr lang="en-US" sz="2000" dirty="0"/>
+              <a:t>, John Hughes – Good, albeit theoretical, paper on</a:t>
+            </a:r>
+            <a:r>
+              <a:rPr lang="is-IS" sz="2000" dirty="0"/>
+              <a:t>… Well, guess!</a:t>
+            </a:r>
+            <a:endParaRPr lang="en-US" sz="2000" dirty="0"/>
+          </a:p>
+          <a:p>
+            <a:pPr marL="0" indent="0">
+              <a:buNone/>
+            </a:pPr>
+            <a:endParaRPr lang="en-US" sz="2000" dirty="0"/>
+          </a:p>
+        </p:txBody>
+      </p:sp>
+    </p:spTree>
+    <p:extLst>
+      <p:ext uri="{BB962C8B-B14F-4D97-AF65-F5344CB8AC3E}">
+        <p14:creationId xmlns:p14="http://schemas.microsoft.com/office/powerpoint/2010/main" val="906575367"/>
+      </p:ext>
+    </p:extLst>
+  </p:cSld>
+  <p:clrMapOvr>
+    <a:masterClrMapping/>
+  </p:clrMapOvr>
 </p:sld>
 </file>
 
